--- a/ppt 16-9/0452.人是中国人.pptx
+++ b/ppt 16-9/0452.人是中国人.pptx
@@ -5,7 +5,7 @@
     <p:sldMasterId id="2147483648" r:id="rId1"/>
   </p:sldMasterIdLst>
   <p:sldIdLst>
-    <p:sldId id="2945" r:id="rId2"/>
+    <p:sldId id="2946" r:id="rId2"/>
   </p:sldIdLst>
   <p:sldSz cx="12192000" cy="6858000"/>
   <p:notesSz cx="6858000" cy="9144000"/>
@@ -129,7 +129,7 @@
           <p:cNvPr id="2" name="标题 1">
             <a:extLst>
               <a:ext uri="{FF2B5EF4-FFF2-40B4-BE49-F238E27FC236}">
-                <a16:creationId xmlns:a16="http://schemas.microsoft.com/office/drawing/2014/main" id="{81701126-C845-3296-3766-CFD3CD7846A9}"/>
+                <a16:creationId xmlns:a16="http://schemas.microsoft.com/office/drawing/2014/main" id="{2A86370F-D627-4E54-5D3F-0375D71DE772}"/>
               </a:ext>
             </a:extLst>
           </p:cNvPr>
@@ -166,7 +166,7 @@
           <p:cNvPr id="3" name="副标题 2">
             <a:extLst>
               <a:ext uri="{FF2B5EF4-FFF2-40B4-BE49-F238E27FC236}">
-                <a16:creationId xmlns:a16="http://schemas.microsoft.com/office/drawing/2014/main" id="{A4C727DA-353A-584B-9A08-3CE47A6248EB}"/>
+                <a16:creationId xmlns:a16="http://schemas.microsoft.com/office/drawing/2014/main" id="{6F1E8220-F04F-F1AC-37AC-5276D35B85B6}"/>
               </a:ext>
             </a:extLst>
           </p:cNvPr>
@@ -236,7 +236,7 @@
           <p:cNvPr id="4" name="日期占位符 3">
             <a:extLst>
               <a:ext uri="{FF2B5EF4-FFF2-40B4-BE49-F238E27FC236}">
-                <a16:creationId xmlns:a16="http://schemas.microsoft.com/office/drawing/2014/main" id="{D27DDCB9-795E-293A-75BE-18E66A8CC84D}"/>
+                <a16:creationId xmlns:a16="http://schemas.microsoft.com/office/drawing/2014/main" id="{A86F2FCB-481E-3695-D3FE-BF0026B81659}"/>
               </a:ext>
             </a:extLst>
           </p:cNvPr>
@@ -252,7 +252,7 @@
           <a:bodyPr/>
           <a:lstStyle/>
           <a:p>
-            <a:fld id="{64A850C1-B4FF-4AB8-9D12-A3CBCF7E4CED}" type="datetimeFigureOut">
+            <a:fld id="{36D2B732-E5E8-4AE1-B902-A7E125C47626}" type="datetimeFigureOut">
               <a:rPr lang="zh-CN" altLang="en-US" smtClean="0"/>
               <a:t>2024/3/10</a:t>
             </a:fld>
@@ -265,7 +265,7 @@
           <p:cNvPr id="5" name="页脚占位符 4">
             <a:extLst>
               <a:ext uri="{FF2B5EF4-FFF2-40B4-BE49-F238E27FC236}">
-                <a16:creationId xmlns:a16="http://schemas.microsoft.com/office/drawing/2014/main" id="{D65E39F3-EEB0-C33D-8C80-2BDBB50AFF5A}"/>
+                <a16:creationId xmlns:a16="http://schemas.microsoft.com/office/drawing/2014/main" id="{94B71FBA-BD7A-1509-6780-DBBBC65BF656}"/>
               </a:ext>
             </a:extLst>
           </p:cNvPr>
@@ -290,7 +290,7 @@
           <p:cNvPr id="6" name="灯片编号占位符 5">
             <a:extLst>
               <a:ext uri="{FF2B5EF4-FFF2-40B4-BE49-F238E27FC236}">
-                <a16:creationId xmlns:a16="http://schemas.microsoft.com/office/drawing/2014/main" id="{0769292F-03C3-5F05-9B53-382FBE9C3B60}"/>
+                <a16:creationId xmlns:a16="http://schemas.microsoft.com/office/drawing/2014/main" id="{0B58EAB3-19FA-D7E1-C6A4-C3CE2A9892F5}"/>
               </a:ext>
             </a:extLst>
           </p:cNvPr>
@@ -306,7 +306,7 @@
           <a:bodyPr/>
           <a:lstStyle/>
           <a:p>
-            <a:fld id="{F2312C3D-7921-4C5D-B5B5-507FD0AE636A}" type="slidenum">
+            <a:fld id="{0DDE1329-DE37-4210-956C-2BCBBF8F32E2}" type="slidenum">
               <a:rPr lang="zh-CN" altLang="en-US" smtClean="0"/>
               <a:t>‹#›</a:t>
             </a:fld>
@@ -317,7 +317,7 @@
     </p:spTree>
     <p:extLst>
       <p:ext uri="{BB962C8B-B14F-4D97-AF65-F5344CB8AC3E}">
-        <p14:creationId xmlns:p14="http://schemas.microsoft.com/office/powerpoint/2010/main" val="3375428520"/>
+        <p14:creationId xmlns:p14="http://schemas.microsoft.com/office/powerpoint/2010/main" val="4097337257"/>
       </p:ext>
     </p:extLst>
   </p:cSld>
@@ -349,7 +349,7 @@
           <p:cNvPr id="2" name="标题 1">
             <a:extLst>
               <a:ext uri="{FF2B5EF4-FFF2-40B4-BE49-F238E27FC236}">
-                <a16:creationId xmlns:a16="http://schemas.microsoft.com/office/drawing/2014/main" id="{D663A2E4-6CD3-2F8B-3490-E18092DE9FD7}"/>
+                <a16:creationId xmlns:a16="http://schemas.microsoft.com/office/drawing/2014/main" id="{859E6D72-704F-4A6E-F559-C0E168F85C61}"/>
               </a:ext>
             </a:extLst>
           </p:cNvPr>
@@ -377,7 +377,7 @@
           <p:cNvPr id="3" name="竖排文字占位符 2">
             <a:extLst>
               <a:ext uri="{FF2B5EF4-FFF2-40B4-BE49-F238E27FC236}">
-                <a16:creationId xmlns:a16="http://schemas.microsoft.com/office/drawing/2014/main" id="{E49FF107-2E8E-0CF6-5DF0-18671110D9DB}"/>
+                <a16:creationId xmlns:a16="http://schemas.microsoft.com/office/drawing/2014/main" id="{B2F1D368-0C86-F1E4-24FF-DAFEFE1F4F83}"/>
               </a:ext>
             </a:extLst>
           </p:cNvPr>
@@ -434,7 +434,7 @@
           <p:cNvPr id="4" name="日期占位符 3">
             <a:extLst>
               <a:ext uri="{FF2B5EF4-FFF2-40B4-BE49-F238E27FC236}">
-                <a16:creationId xmlns:a16="http://schemas.microsoft.com/office/drawing/2014/main" id="{9196372E-07C0-973D-6D81-7CC44681E0FB}"/>
+                <a16:creationId xmlns:a16="http://schemas.microsoft.com/office/drawing/2014/main" id="{15F60D92-2895-09B4-7F40-FE40670B2E95}"/>
               </a:ext>
             </a:extLst>
           </p:cNvPr>
@@ -450,7 +450,7 @@
           <a:bodyPr/>
           <a:lstStyle/>
           <a:p>
-            <a:fld id="{64A850C1-B4FF-4AB8-9D12-A3CBCF7E4CED}" type="datetimeFigureOut">
+            <a:fld id="{36D2B732-E5E8-4AE1-B902-A7E125C47626}" type="datetimeFigureOut">
               <a:rPr lang="zh-CN" altLang="en-US" smtClean="0"/>
               <a:t>2024/3/10</a:t>
             </a:fld>
@@ -463,7 +463,7 @@
           <p:cNvPr id="5" name="页脚占位符 4">
             <a:extLst>
               <a:ext uri="{FF2B5EF4-FFF2-40B4-BE49-F238E27FC236}">
-                <a16:creationId xmlns:a16="http://schemas.microsoft.com/office/drawing/2014/main" id="{2267B46D-B1F4-B34C-0B52-4599AFFBCC8F}"/>
+                <a16:creationId xmlns:a16="http://schemas.microsoft.com/office/drawing/2014/main" id="{C1C66CC4-0FA9-2E20-89CC-47D391DE952D}"/>
               </a:ext>
             </a:extLst>
           </p:cNvPr>
@@ -488,7 +488,7 @@
           <p:cNvPr id="6" name="灯片编号占位符 5">
             <a:extLst>
               <a:ext uri="{FF2B5EF4-FFF2-40B4-BE49-F238E27FC236}">
-                <a16:creationId xmlns:a16="http://schemas.microsoft.com/office/drawing/2014/main" id="{05E9A489-7D05-2976-1A0F-C5694045B81B}"/>
+                <a16:creationId xmlns:a16="http://schemas.microsoft.com/office/drawing/2014/main" id="{F4246DC0-8DC3-E9BF-7FE4-D450E79C0E20}"/>
               </a:ext>
             </a:extLst>
           </p:cNvPr>
@@ -504,7 +504,7 @@
           <a:bodyPr/>
           <a:lstStyle/>
           <a:p>
-            <a:fld id="{F2312C3D-7921-4C5D-B5B5-507FD0AE636A}" type="slidenum">
+            <a:fld id="{0DDE1329-DE37-4210-956C-2BCBBF8F32E2}" type="slidenum">
               <a:rPr lang="zh-CN" altLang="en-US" smtClean="0"/>
               <a:t>‹#›</a:t>
             </a:fld>
@@ -515,7 +515,7 @@
     </p:spTree>
     <p:extLst>
       <p:ext uri="{BB962C8B-B14F-4D97-AF65-F5344CB8AC3E}">
-        <p14:creationId xmlns:p14="http://schemas.microsoft.com/office/powerpoint/2010/main" val="1228504728"/>
+        <p14:creationId xmlns:p14="http://schemas.microsoft.com/office/powerpoint/2010/main" val="951477885"/>
       </p:ext>
     </p:extLst>
   </p:cSld>
@@ -547,7 +547,7 @@
           <p:cNvPr id="2" name="竖排标题 1">
             <a:extLst>
               <a:ext uri="{FF2B5EF4-FFF2-40B4-BE49-F238E27FC236}">
-                <a16:creationId xmlns:a16="http://schemas.microsoft.com/office/drawing/2014/main" id="{8A8BE10D-AB2B-7CB5-7DF8-BF4A499A91F9}"/>
+                <a16:creationId xmlns:a16="http://schemas.microsoft.com/office/drawing/2014/main" id="{2EC530E6-6401-EA97-B51D-EA64CC1A0F03}"/>
               </a:ext>
             </a:extLst>
           </p:cNvPr>
@@ -580,7 +580,7 @@
           <p:cNvPr id="3" name="竖排文字占位符 2">
             <a:extLst>
               <a:ext uri="{FF2B5EF4-FFF2-40B4-BE49-F238E27FC236}">
-                <a16:creationId xmlns:a16="http://schemas.microsoft.com/office/drawing/2014/main" id="{52BF683D-7629-A262-9032-D574DDD10378}"/>
+                <a16:creationId xmlns:a16="http://schemas.microsoft.com/office/drawing/2014/main" id="{BDDB4CBE-A937-1288-67BC-79749C64C855}"/>
               </a:ext>
             </a:extLst>
           </p:cNvPr>
@@ -642,7 +642,7 @@
           <p:cNvPr id="4" name="日期占位符 3">
             <a:extLst>
               <a:ext uri="{FF2B5EF4-FFF2-40B4-BE49-F238E27FC236}">
-                <a16:creationId xmlns:a16="http://schemas.microsoft.com/office/drawing/2014/main" id="{C22871F7-6F7C-5220-1FFC-FD10C6CFE30E}"/>
+                <a16:creationId xmlns:a16="http://schemas.microsoft.com/office/drawing/2014/main" id="{CB8A8D2A-E489-68D3-43AB-9005D3232B54}"/>
               </a:ext>
             </a:extLst>
           </p:cNvPr>
@@ -658,7 +658,7 @@
           <a:bodyPr/>
           <a:lstStyle/>
           <a:p>
-            <a:fld id="{64A850C1-B4FF-4AB8-9D12-A3CBCF7E4CED}" type="datetimeFigureOut">
+            <a:fld id="{36D2B732-E5E8-4AE1-B902-A7E125C47626}" type="datetimeFigureOut">
               <a:rPr lang="zh-CN" altLang="en-US" smtClean="0"/>
               <a:t>2024/3/10</a:t>
             </a:fld>
@@ -671,7 +671,7 @@
           <p:cNvPr id="5" name="页脚占位符 4">
             <a:extLst>
               <a:ext uri="{FF2B5EF4-FFF2-40B4-BE49-F238E27FC236}">
-                <a16:creationId xmlns:a16="http://schemas.microsoft.com/office/drawing/2014/main" id="{3951C7BE-37D1-7437-3703-B2AB733E6B44}"/>
+                <a16:creationId xmlns:a16="http://schemas.microsoft.com/office/drawing/2014/main" id="{418B06FE-3EF7-D36F-314C-112B708C4D80}"/>
               </a:ext>
             </a:extLst>
           </p:cNvPr>
@@ -696,7 +696,7 @@
           <p:cNvPr id="6" name="灯片编号占位符 5">
             <a:extLst>
               <a:ext uri="{FF2B5EF4-FFF2-40B4-BE49-F238E27FC236}">
-                <a16:creationId xmlns:a16="http://schemas.microsoft.com/office/drawing/2014/main" id="{2800E6C8-E995-F8CF-F0A9-6972BE485A0F}"/>
+                <a16:creationId xmlns:a16="http://schemas.microsoft.com/office/drawing/2014/main" id="{776B2FD2-14FC-C331-E7C3-7469014F060C}"/>
               </a:ext>
             </a:extLst>
           </p:cNvPr>
@@ -712,7 +712,7 @@
           <a:bodyPr/>
           <a:lstStyle/>
           <a:p>
-            <a:fld id="{F2312C3D-7921-4C5D-B5B5-507FD0AE636A}" type="slidenum">
+            <a:fld id="{0DDE1329-DE37-4210-956C-2BCBBF8F32E2}" type="slidenum">
               <a:rPr lang="zh-CN" altLang="en-US" smtClean="0"/>
               <a:t>‹#›</a:t>
             </a:fld>
@@ -723,7 +723,7 @@
     </p:spTree>
     <p:extLst>
       <p:ext uri="{BB962C8B-B14F-4D97-AF65-F5344CB8AC3E}">
-        <p14:creationId xmlns:p14="http://schemas.microsoft.com/office/powerpoint/2010/main" val="2089681551"/>
+        <p14:creationId xmlns:p14="http://schemas.microsoft.com/office/powerpoint/2010/main" val="2227026730"/>
       </p:ext>
     </p:extLst>
   </p:cSld>
@@ -755,7 +755,7 @@
           <p:cNvPr id="2" name="标题 1">
             <a:extLst>
               <a:ext uri="{FF2B5EF4-FFF2-40B4-BE49-F238E27FC236}">
-                <a16:creationId xmlns:a16="http://schemas.microsoft.com/office/drawing/2014/main" id="{6559B2A0-5244-5732-29CB-3BECE6DF83FD}"/>
+                <a16:creationId xmlns:a16="http://schemas.microsoft.com/office/drawing/2014/main" id="{F6346CA8-EE9B-7921-20EF-16445926A6C3}"/>
               </a:ext>
             </a:extLst>
           </p:cNvPr>
@@ -783,7 +783,7 @@
           <p:cNvPr id="3" name="内容占位符 2">
             <a:extLst>
               <a:ext uri="{FF2B5EF4-FFF2-40B4-BE49-F238E27FC236}">
-                <a16:creationId xmlns:a16="http://schemas.microsoft.com/office/drawing/2014/main" id="{977BDC62-A35A-F699-5599-A4F19F6C080E}"/>
+                <a16:creationId xmlns:a16="http://schemas.microsoft.com/office/drawing/2014/main" id="{72018F26-EC2A-C41D-4E52-C10FFE09525B}"/>
               </a:ext>
             </a:extLst>
           </p:cNvPr>
@@ -840,7 +840,7 @@
           <p:cNvPr id="4" name="日期占位符 3">
             <a:extLst>
               <a:ext uri="{FF2B5EF4-FFF2-40B4-BE49-F238E27FC236}">
-                <a16:creationId xmlns:a16="http://schemas.microsoft.com/office/drawing/2014/main" id="{1D335373-27D5-B742-F869-2701818EFC1E}"/>
+                <a16:creationId xmlns:a16="http://schemas.microsoft.com/office/drawing/2014/main" id="{2F693D6F-CD38-10AA-3320-54D8C5DBECF5}"/>
               </a:ext>
             </a:extLst>
           </p:cNvPr>
@@ -856,7 +856,7 @@
           <a:bodyPr/>
           <a:lstStyle/>
           <a:p>
-            <a:fld id="{64A850C1-B4FF-4AB8-9D12-A3CBCF7E4CED}" type="datetimeFigureOut">
+            <a:fld id="{36D2B732-E5E8-4AE1-B902-A7E125C47626}" type="datetimeFigureOut">
               <a:rPr lang="zh-CN" altLang="en-US" smtClean="0"/>
               <a:t>2024/3/10</a:t>
             </a:fld>
@@ -869,7 +869,7 @@
           <p:cNvPr id="5" name="页脚占位符 4">
             <a:extLst>
               <a:ext uri="{FF2B5EF4-FFF2-40B4-BE49-F238E27FC236}">
-                <a16:creationId xmlns:a16="http://schemas.microsoft.com/office/drawing/2014/main" id="{6EDF4D06-4E14-FBC9-16D5-FB4696DE7657}"/>
+                <a16:creationId xmlns:a16="http://schemas.microsoft.com/office/drawing/2014/main" id="{032B1D7F-544D-14BB-F3B9-21DB1BA695F1}"/>
               </a:ext>
             </a:extLst>
           </p:cNvPr>
@@ -894,7 +894,7 @@
           <p:cNvPr id="6" name="灯片编号占位符 5">
             <a:extLst>
               <a:ext uri="{FF2B5EF4-FFF2-40B4-BE49-F238E27FC236}">
-                <a16:creationId xmlns:a16="http://schemas.microsoft.com/office/drawing/2014/main" id="{EC5EA873-A1C1-D355-8D60-F26F5CB70CC0}"/>
+                <a16:creationId xmlns:a16="http://schemas.microsoft.com/office/drawing/2014/main" id="{88FD13ED-ADC9-DBA1-DE1D-6F6BD77A1BE6}"/>
               </a:ext>
             </a:extLst>
           </p:cNvPr>
@@ -910,7 +910,7 @@
           <a:bodyPr/>
           <a:lstStyle/>
           <a:p>
-            <a:fld id="{F2312C3D-7921-4C5D-B5B5-507FD0AE636A}" type="slidenum">
+            <a:fld id="{0DDE1329-DE37-4210-956C-2BCBBF8F32E2}" type="slidenum">
               <a:rPr lang="zh-CN" altLang="en-US" smtClean="0"/>
               <a:t>‹#›</a:t>
             </a:fld>
@@ -921,7 +921,7 @@
     </p:spTree>
     <p:extLst>
       <p:ext uri="{BB962C8B-B14F-4D97-AF65-F5344CB8AC3E}">
-        <p14:creationId xmlns:p14="http://schemas.microsoft.com/office/powerpoint/2010/main" val="3489700016"/>
+        <p14:creationId xmlns:p14="http://schemas.microsoft.com/office/powerpoint/2010/main" val="1447103413"/>
       </p:ext>
     </p:extLst>
   </p:cSld>
@@ -953,7 +953,7 @@
           <p:cNvPr id="2" name="标题 1">
             <a:extLst>
               <a:ext uri="{FF2B5EF4-FFF2-40B4-BE49-F238E27FC236}">
-                <a16:creationId xmlns:a16="http://schemas.microsoft.com/office/drawing/2014/main" id="{445D6B52-6A32-B823-AC21-0B2392434C88}"/>
+                <a16:creationId xmlns:a16="http://schemas.microsoft.com/office/drawing/2014/main" id="{CFB798AC-2269-2D47-4373-2A5B007D4B5C}"/>
               </a:ext>
             </a:extLst>
           </p:cNvPr>
@@ -990,7 +990,7 @@
           <p:cNvPr id="3" name="文本占位符 2">
             <a:extLst>
               <a:ext uri="{FF2B5EF4-FFF2-40B4-BE49-F238E27FC236}">
-                <a16:creationId xmlns:a16="http://schemas.microsoft.com/office/drawing/2014/main" id="{2AE5AD94-1C4C-7488-AD8C-446DD7B735C3}"/>
+                <a16:creationId xmlns:a16="http://schemas.microsoft.com/office/drawing/2014/main" id="{789FA75D-0BC1-221B-2568-57BD4F9B2EBB}"/>
               </a:ext>
             </a:extLst>
           </p:cNvPr>
@@ -1115,7 +1115,7 @@
           <p:cNvPr id="4" name="日期占位符 3">
             <a:extLst>
               <a:ext uri="{FF2B5EF4-FFF2-40B4-BE49-F238E27FC236}">
-                <a16:creationId xmlns:a16="http://schemas.microsoft.com/office/drawing/2014/main" id="{64C04593-241D-23D9-065C-CDB8E0E8E113}"/>
+                <a16:creationId xmlns:a16="http://schemas.microsoft.com/office/drawing/2014/main" id="{A8B8BFB8-8D99-0747-05AF-D8A09A72FAC9}"/>
               </a:ext>
             </a:extLst>
           </p:cNvPr>
@@ -1131,7 +1131,7 @@
           <a:bodyPr/>
           <a:lstStyle/>
           <a:p>
-            <a:fld id="{64A850C1-B4FF-4AB8-9D12-A3CBCF7E4CED}" type="datetimeFigureOut">
+            <a:fld id="{36D2B732-E5E8-4AE1-B902-A7E125C47626}" type="datetimeFigureOut">
               <a:rPr lang="zh-CN" altLang="en-US" smtClean="0"/>
               <a:t>2024/3/10</a:t>
             </a:fld>
@@ -1144,7 +1144,7 @@
           <p:cNvPr id="5" name="页脚占位符 4">
             <a:extLst>
               <a:ext uri="{FF2B5EF4-FFF2-40B4-BE49-F238E27FC236}">
-                <a16:creationId xmlns:a16="http://schemas.microsoft.com/office/drawing/2014/main" id="{AD458476-FB22-C2A8-8ACB-34D22B05B533}"/>
+                <a16:creationId xmlns:a16="http://schemas.microsoft.com/office/drawing/2014/main" id="{B8C65A84-93A3-932C-1942-FD86F7717A9A}"/>
               </a:ext>
             </a:extLst>
           </p:cNvPr>
@@ -1169,7 +1169,7 @@
           <p:cNvPr id="6" name="灯片编号占位符 5">
             <a:extLst>
               <a:ext uri="{FF2B5EF4-FFF2-40B4-BE49-F238E27FC236}">
-                <a16:creationId xmlns:a16="http://schemas.microsoft.com/office/drawing/2014/main" id="{8D15094F-F0AC-4D5B-BC8E-BB5ACC4ED63A}"/>
+                <a16:creationId xmlns:a16="http://schemas.microsoft.com/office/drawing/2014/main" id="{FDE30AB6-0225-37EE-2F17-233A5349CD38}"/>
               </a:ext>
             </a:extLst>
           </p:cNvPr>
@@ -1185,7 +1185,7 @@
           <a:bodyPr/>
           <a:lstStyle/>
           <a:p>
-            <a:fld id="{F2312C3D-7921-4C5D-B5B5-507FD0AE636A}" type="slidenum">
+            <a:fld id="{0DDE1329-DE37-4210-956C-2BCBBF8F32E2}" type="slidenum">
               <a:rPr lang="zh-CN" altLang="en-US" smtClean="0"/>
               <a:t>‹#›</a:t>
             </a:fld>
@@ -1196,7 +1196,7 @@
     </p:spTree>
     <p:extLst>
       <p:ext uri="{BB962C8B-B14F-4D97-AF65-F5344CB8AC3E}">
-        <p14:creationId xmlns:p14="http://schemas.microsoft.com/office/powerpoint/2010/main" val="3651535907"/>
+        <p14:creationId xmlns:p14="http://schemas.microsoft.com/office/powerpoint/2010/main" val="616185018"/>
       </p:ext>
     </p:extLst>
   </p:cSld>
@@ -1228,7 +1228,7 @@
           <p:cNvPr id="2" name="标题 1">
             <a:extLst>
               <a:ext uri="{FF2B5EF4-FFF2-40B4-BE49-F238E27FC236}">
-                <a16:creationId xmlns:a16="http://schemas.microsoft.com/office/drawing/2014/main" id="{D65C084C-DA33-6121-763F-1117F77461A9}"/>
+                <a16:creationId xmlns:a16="http://schemas.microsoft.com/office/drawing/2014/main" id="{2FE85604-CF98-98A8-B88D-9C8D12C2DE3E}"/>
               </a:ext>
             </a:extLst>
           </p:cNvPr>
@@ -1256,7 +1256,7 @@
           <p:cNvPr id="3" name="内容占位符 2">
             <a:extLst>
               <a:ext uri="{FF2B5EF4-FFF2-40B4-BE49-F238E27FC236}">
-                <a16:creationId xmlns:a16="http://schemas.microsoft.com/office/drawing/2014/main" id="{F46DBF78-DE02-20BB-60D6-33D07A60D29D}"/>
+                <a16:creationId xmlns:a16="http://schemas.microsoft.com/office/drawing/2014/main" id="{3C98B510-3673-D76E-7893-919D07801D86}"/>
               </a:ext>
             </a:extLst>
           </p:cNvPr>
@@ -1318,7 +1318,7 @@
           <p:cNvPr id="4" name="内容占位符 3">
             <a:extLst>
               <a:ext uri="{FF2B5EF4-FFF2-40B4-BE49-F238E27FC236}">
-                <a16:creationId xmlns:a16="http://schemas.microsoft.com/office/drawing/2014/main" id="{3D16FFA4-6FAE-FD3A-2B80-3DBC388C50C7}"/>
+                <a16:creationId xmlns:a16="http://schemas.microsoft.com/office/drawing/2014/main" id="{A1E981B7-D5BE-3F8D-E334-277B570350DC}"/>
               </a:ext>
             </a:extLst>
           </p:cNvPr>
@@ -1380,7 +1380,7 @@
           <p:cNvPr id="5" name="日期占位符 4">
             <a:extLst>
               <a:ext uri="{FF2B5EF4-FFF2-40B4-BE49-F238E27FC236}">
-                <a16:creationId xmlns:a16="http://schemas.microsoft.com/office/drawing/2014/main" id="{5E214DE8-EE8C-D01D-1CF2-E600B26EDBCC}"/>
+                <a16:creationId xmlns:a16="http://schemas.microsoft.com/office/drawing/2014/main" id="{E609549D-692E-6B5F-3F79-7FC45E282D37}"/>
               </a:ext>
             </a:extLst>
           </p:cNvPr>
@@ -1396,7 +1396,7 @@
           <a:bodyPr/>
           <a:lstStyle/>
           <a:p>
-            <a:fld id="{64A850C1-B4FF-4AB8-9D12-A3CBCF7E4CED}" type="datetimeFigureOut">
+            <a:fld id="{36D2B732-E5E8-4AE1-B902-A7E125C47626}" type="datetimeFigureOut">
               <a:rPr lang="zh-CN" altLang="en-US" smtClean="0"/>
               <a:t>2024/3/10</a:t>
             </a:fld>
@@ -1409,7 +1409,7 @@
           <p:cNvPr id="6" name="页脚占位符 5">
             <a:extLst>
               <a:ext uri="{FF2B5EF4-FFF2-40B4-BE49-F238E27FC236}">
-                <a16:creationId xmlns:a16="http://schemas.microsoft.com/office/drawing/2014/main" id="{73921B9F-AC2C-C1E7-C6E5-97BDBB033E94}"/>
+                <a16:creationId xmlns:a16="http://schemas.microsoft.com/office/drawing/2014/main" id="{BA85C602-E5DA-1E02-4677-510A06FD39CE}"/>
               </a:ext>
             </a:extLst>
           </p:cNvPr>
@@ -1434,7 +1434,7 @@
           <p:cNvPr id="7" name="灯片编号占位符 6">
             <a:extLst>
               <a:ext uri="{FF2B5EF4-FFF2-40B4-BE49-F238E27FC236}">
-                <a16:creationId xmlns:a16="http://schemas.microsoft.com/office/drawing/2014/main" id="{4BBE1937-C800-BFE3-7606-B6CBA65319FC}"/>
+                <a16:creationId xmlns:a16="http://schemas.microsoft.com/office/drawing/2014/main" id="{112A92DE-A1A4-AD8A-D2D2-C0073400DCBE}"/>
               </a:ext>
             </a:extLst>
           </p:cNvPr>
@@ -1450,7 +1450,7 @@
           <a:bodyPr/>
           <a:lstStyle/>
           <a:p>
-            <a:fld id="{F2312C3D-7921-4C5D-B5B5-507FD0AE636A}" type="slidenum">
+            <a:fld id="{0DDE1329-DE37-4210-956C-2BCBBF8F32E2}" type="slidenum">
               <a:rPr lang="zh-CN" altLang="en-US" smtClean="0"/>
               <a:t>‹#›</a:t>
             </a:fld>
@@ -1461,7 +1461,7 @@
     </p:spTree>
     <p:extLst>
       <p:ext uri="{BB962C8B-B14F-4D97-AF65-F5344CB8AC3E}">
-        <p14:creationId xmlns:p14="http://schemas.microsoft.com/office/powerpoint/2010/main" val="1522773090"/>
+        <p14:creationId xmlns:p14="http://schemas.microsoft.com/office/powerpoint/2010/main" val="458044568"/>
       </p:ext>
     </p:extLst>
   </p:cSld>
@@ -1493,7 +1493,7 @@
           <p:cNvPr id="2" name="标题 1">
             <a:extLst>
               <a:ext uri="{FF2B5EF4-FFF2-40B4-BE49-F238E27FC236}">
-                <a16:creationId xmlns:a16="http://schemas.microsoft.com/office/drawing/2014/main" id="{FBE2BCC2-4065-22F5-9333-C7D3040924CB}"/>
+                <a16:creationId xmlns:a16="http://schemas.microsoft.com/office/drawing/2014/main" id="{7D948FC9-F57C-CAB8-660C-2B8AD42E1B1E}"/>
               </a:ext>
             </a:extLst>
           </p:cNvPr>
@@ -1526,7 +1526,7 @@
           <p:cNvPr id="3" name="文本占位符 2">
             <a:extLst>
               <a:ext uri="{FF2B5EF4-FFF2-40B4-BE49-F238E27FC236}">
-                <a16:creationId xmlns:a16="http://schemas.microsoft.com/office/drawing/2014/main" id="{6D6D2A6C-3B7C-5E9F-6A8B-0EB185DF014C}"/>
+                <a16:creationId xmlns:a16="http://schemas.microsoft.com/office/drawing/2014/main" id="{BFE4B8FC-F291-9982-7F0E-BAB1610C463E}"/>
               </a:ext>
             </a:extLst>
           </p:cNvPr>
@@ -1597,7 +1597,7 @@
           <p:cNvPr id="4" name="内容占位符 3">
             <a:extLst>
               <a:ext uri="{FF2B5EF4-FFF2-40B4-BE49-F238E27FC236}">
-                <a16:creationId xmlns:a16="http://schemas.microsoft.com/office/drawing/2014/main" id="{7304F58C-AD6C-86A6-806F-705DA02973FD}"/>
+                <a16:creationId xmlns:a16="http://schemas.microsoft.com/office/drawing/2014/main" id="{116E44B3-B44F-0CA6-BFD2-4BCF9D714B99}"/>
               </a:ext>
             </a:extLst>
           </p:cNvPr>
@@ -1659,7 +1659,7 @@
           <p:cNvPr id="5" name="文本占位符 4">
             <a:extLst>
               <a:ext uri="{FF2B5EF4-FFF2-40B4-BE49-F238E27FC236}">
-                <a16:creationId xmlns:a16="http://schemas.microsoft.com/office/drawing/2014/main" id="{160844CC-8D80-754B-2BDE-545CF6363885}"/>
+                <a16:creationId xmlns:a16="http://schemas.microsoft.com/office/drawing/2014/main" id="{1FDC74F5-BA02-7CA1-EA04-3BD2EB7499CE}"/>
               </a:ext>
             </a:extLst>
           </p:cNvPr>
@@ -1730,7 +1730,7 @@
           <p:cNvPr id="6" name="内容占位符 5">
             <a:extLst>
               <a:ext uri="{FF2B5EF4-FFF2-40B4-BE49-F238E27FC236}">
-                <a16:creationId xmlns:a16="http://schemas.microsoft.com/office/drawing/2014/main" id="{C5FB577A-125A-8F09-A8E9-EC13C222DEEC}"/>
+                <a16:creationId xmlns:a16="http://schemas.microsoft.com/office/drawing/2014/main" id="{C546AABC-A47A-C244-49D7-AC0819200CA2}"/>
               </a:ext>
             </a:extLst>
           </p:cNvPr>
@@ -1792,7 +1792,7 @@
           <p:cNvPr id="7" name="日期占位符 6">
             <a:extLst>
               <a:ext uri="{FF2B5EF4-FFF2-40B4-BE49-F238E27FC236}">
-                <a16:creationId xmlns:a16="http://schemas.microsoft.com/office/drawing/2014/main" id="{EF58D942-4CCF-9667-9C43-364FBBC66167}"/>
+                <a16:creationId xmlns:a16="http://schemas.microsoft.com/office/drawing/2014/main" id="{19F940D2-9EEC-3F04-42CE-18ACCF487C3E}"/>
               </a:ext>
             </a:extLst>
           </p:cNvPr>
@@ -1808,7 +1808,7 @@
           <a:bodyPr/>
           <a:lstStyle/>
           <a:p>
-            <a:fld id="{64A850C1-B4FF-4AB8-9D12-A3CBCF7E4CED}" type="datetimeFigureOut">
+            <a:fld id="{36D2B732-E5E8-4AE1-B902-A7E125C47626}" type="datetimeFigureOut">
               <a:rPr lang="zh-CN" altLang="en-US" smtClean="0"/>
               <a:t>2024/3/10</a:t>
             </a:fld>
@@ -1821,7 +1821,7 @@
           <p:cNvPr id="8" name="页脚占位符 7">
             <a:extLst>
               <a:ext uri="{FF2B5EF4-FFF2-40B4-BE49-F238E27FC236}">
-                <a16:creationId xmlns:a16="http://schemas.microsoft.com/office/drawing/2014/main" id="{DAA3CF36-161A-4A4D-4D00-35995FEB3DDC}"/>
+                <a16:creationId xmlns:a16="http://schemas.microsoft.com/office/drawing/2014/main" id="{EFC7315C-46D8-E44B-E3F9-202C740EC941}"/>
               </a:ext>
             </a:extLst>
           </p:cNvPr>
@@ -1846,7 +1846,7 @@
           <p:cNvPr id="9" name="灯片编号占位符 8">
             <a:extLst>
               <a:ext uri="{FF2B5EF4-FFF2-40B4-BE49-F238E27FC236}">
-                <a16:creationId xmlns:a16="http://schemas.microsoft.com/office/drawing/2014/main" id="{228B6663-5664-7C96-B135-625611E33642}"/>
+                <a16:creationId xmlns:a16="http://schemas.microsoft.com/office/drawing/2014/main" id="{B1EFDFEB-CDCA-DC22-A884-083AD9313910}"/>
               </a:ext>
             </a:extLst>
           </p:cNvPr>
@@ -1862,7 +1862,7 @@
           <a:bodyPr/>
           <a:lstStyle/>
           <a:p>
-            <a:fld id="{F2312C3D-7921-4C5D-B5B5-507FD0AE636A}" type="slidenum">
+            <a:fld id="{0DDE1329-DE37-4210-956C-2BCBBF8F32E2}" type="slidenum">
               <a:rPr lang="zh-CN" altLang="en-US" smtClean="0"/>
               <a:t>‹#›</a:t>
             </a:fld>
@@ -1873,7 +1873,7 @@
     </p:spTree>
     <p:extLst>
       <p:ext uri="{BB962C8B-B14F-4D97-AF65-F5344CB8AC3E}">
-        <p14:creationId xmlns:p14="http://schemas.microsoft.com/office/powerpoint/2010/main" val="1664922831"/>
+        <p14:creationId xmlns:p14="http://schemas.microsoft.com/office/powerpoint/2010/main" val="3675755673"/>
       </p:ext>
     </p:extLst>
   </p:cSld>
@@ -1905,7 +1905,7 @@
           <p:cNvPr id="2" name="标题 1">
             <a:extLst>
               <a:ext uri="{FF2B5EF4-FFF2-40B4-BE49-F238E27FC236}">
-                <a16:creationId xmlns:a16="http://schemas.microsoft.com/office/drawing/2014/main" id="{61C925F8-82E5-8E77-E08E-9F9B2E5D4D26}"/>
+                <a16:creationId xmlns:a16="http://schemas.microsoft.com/office/drawing/2014/main" id="{F8ED985E-FE24-7E8F-74A1-9007E038C9B6}"/>
               </a:ext>
             </a:extLst>
           </p:cNvPr>
@@ -1933,7 +1933,7 @@
           <p:cNvPr id="3" name="日期占位符 2">
             <a:extLst>
               <a:ext uri="{FF2B5EF4-FFF2-40B4-BE49-F238E27FC236}">
-                <a16:creationId xmlns:a16="http://schemas.microsoft.com/office/drawing/2014/main" id="{0AE426A9-7FD4-715F-52B7-2F93058A5408}"/>
+                <a16:creationId xmlns:a16="http://schemas.microsoft.com/office/drawing/2014/main" id="{3050F6F2-4E54-3632-652D-6653750287C0}"/>
               </a:ext>
             </a:extLst>
           </p:cNvPr>
@@ -1949,7 +1949,7 @@
           <a:bodyPr/>
           <a:lstStyle/>
           <a:p>
-            <a:fld id="{64A850C1-B4FF-4AB8-9D12-A3CBCF7E4CED}" type="datetimeFigureOut">
+            <a:fld id="{36D2B732-E5E8-4AE1-B902-A7E125C47626}" type="datetimeFigureOut">
               <a:rPr lang="zh-CN" altLang="en-US" smtClean="0"/>
               <a:t>2024/3/10</a:t>
             </a:fld>
@@ -1962,7 +1962,7 @@
           <p:cNvPr id="4" name="页脚占位符 3">
             <a:extLst>
               <a:ext uri="{FF2B5EF4-FFF2-40B4-BE49-F238E27FC236}">
-                <a16:creationId xmlns:a16="http://schemas.microsoft.com/office/drawing/2014/main" id="{F1A836F0-D39B-8485-79B6-297DE4F7D838}"/>
+                <a16:creationId xmlns:a16="http://schemas.microsoft.com/office/drawing/2014/main" id="{779A3115-762D-52EB-72D6-9F1C33D4C806}"/>
               </a:ext>
             </a:extLst>
           </p:cNvPr>
@@ -1987,7 +1987,7 @@
           <p:cNvPr id="5" name="灯片编号占位符 4">
             <a:extLst>
               <a:ext uri="{FF2B5EF4-FFF2-40B4-BE49-F238E27FC236}">
-                <a16:creationId xmlns:a16="http://schemas.microsoft.com/office/drawing/2014/main" id="{F5D9E5A6-C3E8-F575-91FB-0E56CA89B942}"/>
+                <a16:creationId xmlns:a16="http://schemas.microsoft.com/office/drawing/2014/main" id="{9CDEEE46-3D08-211C-89AA-34F3965DD6DA}"/>
               </a:ext>
             </a:extLst>
           </p:cNvPr>
@@ -2003,7 +2003,7 @@
           <a:bodyPr/>
           <a:lstStyle/>
           <a:p>
-            <a:fld id="{F2312C3D-7921-4C5D-B5B5-507FD0AE636A}" type="slidenum">
+            <a:fld id="{0DDE1329-DE37-4210-956C-2BCBBF8F32E2}" type="slidenum">
               <a:rPr lang="zh-CN" altLang="en-US" smtClean="0"/>
               <a:t>‹#›</a:t>
             </a:fld>
@@ -2014,7 +2014,7 @@
     </p:spTree>
     <p:extLst>
       <p:ext uri="{BB962C8B-B14F-4D97-AF65-F5344CB8AC3E}">
-        <p14:creationId xmlns:p14="http://schemas.microsoft.com/office/powerpoint/2010/main" val="1772551116"/>
+        <p14:creationId xmlns:p14="http://schemas.microsoft.com/office/powerpoint/2010/main" val="944657775"/>
       </p:ext>
     </p:extLst>
   </p:cSld>
@@ -2046,7 +2046,7 @@
           <p:cNvPr id="2" name="日期占位符 1">
             <a:extLst>
               <a:ext uri="{FF2B5EF4-FFF2-40B4-BE49-F238E27FC236}">
-                <a16:creationId xmlns:a16="http://schemas.microsoft.com/office/drawing/2014/main" id="{FDBE31F9-4941-1F95-EDB4-32B0582E3151}"/>
+                <a16:creationId xmlns:a16="http://schemas.microsoft.com/office/drawing/2014/main" id="{8DB19BF3-46B1-797B-50E6-EFF69C894ABB}"/>
               </a:ext>
             </a:extLst>
           </p:cNvPr>
@@ -2062,7 +2062,7 @@
           <a:bodyPr/>
           <a:lstStyle/>
           <a:p>
-            <a:fld id="{64A850C1-B4FF-4AB8-9D12-A3CBCF7E4CED}" type="datetimeFigureOut">
+            <a:fld id="{36D2B732-E5E8-4AE1-B902-A7E125C47626}" type="datetimeFigureOut">
               <a:rPr lang="zh-CN" altLang="en-US" smtClean="0"/>
               <a:t>2024/3/10</a:t>
             </a:fld>
@@ -2075,7 +2075,7 @@
           <p:cNvPr id="3" name="页脚占位符 2">
             <a:extLst>
               <a:ext uri="{FF2B5EF4-FFF2-40B4-BE49-F238E27FC236}">
-                <a16:creationId xmlns:a16="http://schemas.microsoft.com/office/drawing/2014/main" id="{BB9FB9F0-EF62-EBDD-E7B6-10760E775F2D}"/>
+                <a16:creationId xmlns:a16="http://schemas.microsoft.com/office/drawing/2014/main" id="{A982DC10-90E7-910A-A18D-98C13A912619}"/>
               </a:ext>
             </a:extLst>
           </p:cNvPr>
@@ -2100,7 +2100,7 @@
           <p:cNvPr id="4" name="灯片编号占位符 3">
             <a:extLst>
               <a:ext uri="{FF2B5EF4-FFF2-40B4-BE49-F238E27FC236}">
-                <a16:creationId xmlns:a16="http://schemas.microsoft.com/office/drawing/2014/main" id="{7B0CA794-6CF0-3CD7-BAB3-DF1CF73130B2}"/>
+                <a16:creationId xmlns:a16="http://schemas.microsoft.com/office/drawing/2014/main" id="{096342AE-1F7A-8357-628E-5B482BB1E416}"/>
               </a:ext>
             </a:extLst>
           </p:cNvPr>
@@ -2116,7 +2116,7 @@
           <a:bodyPr/>
           <a:lstStyle/>
           <a:p>
-            <a:fld id="{F2312C3D-7921-4C5D-B5B5-507FD0AE636A}" type="slidenum">
+            <a:fld id="{0DDE1329-DE37-4210-956C-2BCBBF8F32E2}" type="slidenum">
               <a:rPr lang="zh-CN" altLang="en-US" smtClean="0"/>
               <a:t>‹#›</a:t>
             </a:fld>
@@ -2127,7 +2127,7 @@
     </p:spTree>
     <p:extLst>
       <p:ext uri="{BB962C8B-B14F-4D97-AF65-F5344CB8AC3E}">
-        <p14:creationId xmlns:p14="http://schemas.microsoft.com/office/powerpoint/2010/main" val="2788035128"/>
+        <p14:creationId xmlns:p14="http://schemas.microsoft.com/office/powerpoint/2010/main" val="3960963069"/>
       </p:ext>
     </p:extLst>
   </p:cSld>
@@ -2159,7 +2159,7 @@
           <p:cNvPr id="2" name="标题 1">
             <a:extLst>
               <a:ext uri="{FF2B5EF4-FFF2-40B4-BE49-F238E27FC236}">
-                <a16:creationId xmlns:a16="http://schemas.microsoft.com/office/drawing/2014/main" id="{41B56B33-ECC9-BBF1-C175-369E7735866B}"/>
+                <a16:creationId xmlns:a16="http://schemas.microsoft.com/office/drawing/2014/main" id="{6F400E82-7AD8-9FAD-8EDB-B3605E270F63}"/>
               </a:ext>
             </a:extLst>
           </p:cNvPr>
@@ -2196,7 +2196,7 @@
           <p:cNvPr id="3" name="内容占位符 2">
             <a:extLst>
               <a:ext uri="{FF2B5EF4-FFF2-40B4-BE49-F238E27FC236}">
-                <a16:creationId xmlns:a16="http://schemas.microsoft.com/office/drawing/2014/main" id="{0EFA9627-8248-5EEE-F361-783ED6A1A89E}"/>
+                <a16:creationId xmlns:a16="http://schemas.microsoft.com/office/drawing/2014/main" id="{656D7983-8146-75E6-1DC9-CF5576B6B23B}"/>
               </a:ext>
             </a:extLst>
           </p:cNvPr>
@@ -2286,7 +2286,7 @@
           <p:cNvPr id="4" name="文本占位符 3">
             <a:extLst>
               <a:ext uri="{FF2B5EF4-FFF2-40B4-BE49-F238E27FC236}">
-                <a16:creationId xmlns:a16="http://schemas.microsoft.com/office/drawing/2014/main" id="{7B576595-446B-0F49-55B7-3B5D3CF45405}"/>
+                <a16:creationId xmlns:a16="http://schemas.microsoft.com/office/drawing/2014/main" id="{514E3A2A-F2CB-45E9-9421-1F3FD1166361}"/>
               </a:ext>
             </a:extLst>
           </p:cNvPr>
@@ -2357,7 +2357,7 @@
           <p:cNvPr id="5" name="日期占位符 4">
             <a:extLst>
               <a:ext uri="{FF2B5EF4-FFF2-40B4-BE49-F238E27FC236}">
-                <a16:creationId xmlns:a16="http://schemas.microsoft.com/office/drawing/2014/main" id="{2128AA16-6D7F-FEA6-F84C-C7B2CF1A6A32}"/>
+                <a16:creationId xmlns:a16="http://schemas.microsoft.com/office/drawing/2014/main" id="{1D63F711-C624-9278-B15F-691FA5B529F9}"/>
               </a:ext>
             </a:extLst>
           </p:cNvPr>
@@ -2373,7 +2373,7 @@
           <a:bodyPr/>
           <a:lstStyle/>
           <a:p>
-            <a:fld id="{64A850C1-B4FF-4AB8-9D12-A3CBCF7E4CED}" type="datetimeFigureOut">
+            <a:fld id="{36D2B732-E5E8-4AE1-B902-A7E125C47626}" type="datetimeFigureOut">
               <a:rPr lang="zh-CN" altLang="en-US" smtClean="0"/>
               <a:t>2024/3/10</a:t>
             </a:fld>
@@ -2386,7 +2386,7 @@
           <p:cNvPr id="6" name="页脚占位符 5">
             <a:extLst>
               <a:ext uri="{FF2B5EF4-FFF2-40B4-BE49-F238E27FC236}">
-                <a16:creationId xmlns:a16="http://schemas.microsoft.com/office/drawing/2014/main" id="{4D212FEE-DA9C-440F-2A48-E9DFFEF0A72B}"/>
+                <a16:creationId xmlns:a16="http://schemas.microsoft.com/office/drawing/2014/main" id="{7B632A02-A3C7-E770-5871-66044FE4A14F}"/>
               </a:ext>
             </a:extLst>
           </p:cNvPr>
@@ -2411,7 +2411,7 @@
           <p:cNvPr id="7" name="灯片编号占位符 6">
             <a:extLst>
               <a:ext uri="{FF2B5EF4-FFF2-40B4-BE49-F238E27FC236}">
-                <a16:creationId xmlns:a16="http://schemas.microsoft.com/office/drawing/2014/main" id="{610ECDC9-EAEE-3B9E-E020-6D719A6DD8E6}"/>
+                <a16:creationId xmlns:a16="http://schemas.microsoft.com/office/drawing/2014/main" id="{F98A3B79-45F9-BB1F-9AEA-8BD26E12375C}"/>
               </a:ext>
             </a:extLst>
           </p:cNvPr>
@@ -2427,7 +2427,7 @@
           <a:bodyPr/>
           <a:lstStyle/>
           <a:p>
-            <a:fld id="{F2312C3D-7921-4C5D-B5B5-507FD0AE636A}" type="slidenum">
+            <a:fld id="{0DDE1329-DE37-4210-956C-2BCBBF8F32E2}" type="slidenum">
               <a:rPr lang="zh-CN" altLang="en-US" smtClean="0"/>
               <a:t>‹#›</a:t>
             </a:fld>
@@ -2438,7 +2438,7 @@
     </p:spTree>
     <p:extLst>
       <p:ext uri="{BB962C8B-B14F-4D97-AF65-F5344CB8AC3E}">
-        <p14:creationId xmlns:p14="http://schemas.microsoft.com/office/powerpoint/2010/main" val="2094990204"/>
+        <p14:creationId xmlns:p14="http://schemas.microsoft.com/office/powerpoint/2010/main" val="1010426541"/>
       </p:ext>
     </p:extLst>
   </p:cSld>
@@ -2470,7 +2470,7 @@
           <p:cNvPr id="2" name="标题 1">
             <a:extLst>
               <a:ext uri="{FF2B5EF4-FFF2-40B4-BE49-F238E27FC236}">
-                <a16:creationId xmlns:a16="http://schemas.microsoft.com/office/drawing/2014/main" id="{EDAB8A4A-C523-2315-434A-CE6FFA814CC8}"/>
+                <a16:creationId xmlns:a16="http://schemas.microsoft.com/office/drawing/2014/main" id="{543FC9F7-FB4B-DA78-873A-C576F7EF5986}"/>
               </a:ext>
             </a:extLst>
           </p:cNvPr>
@@ -2507,7 +2507,7 @@
           <p:cNvPr id="3" name="图片占位符 2">
             <a:extLst>
               <a:ext uri="{FF2B5EF4-FFF2-40B4-BE49-F238E27FC236}">
-                <a16:creationId xmlns:a16="http://schemas.microsoft.com/office/drawing/2014/main" id="{FA1B9F42-BCC9-D2F5-514A-F0A6B4ADDE8E}"/>
+                <a16:creationId xmlns:a16="http://schemas.microsoft.com/office/drawing/2014/main" id="{AF896488-F1F3-A4CE-E44D-8426DB33FD97}"/>
               </a:ext>
             </a:extLst>
           </p:cNvPr>
@@ -2574,7 +2574,7 @@
           <p:cNvPr id="4" name="文本占位符 3">
             <a:extLst>
               <a:ext uri="{FF2B5EF4-FFF2-40B4-BE49-F238E27FC236}">
-                <a16:creationId xmlns:a16="http://schemas.microsoft.com/office/drawing/2014/main" id="{6E4FFE54-4479-281B-2C0B-A0E9DE0EAB5F}"/>
+                <a16:creationId xmlns:a16="http://schemas.microsoft.com/office/drawing/2014/main" id="{1635CF62-F954-B528-2C6A-8EEAECD585F1}"/>
               </a:ext>
             </a:extLst>
           </p:cNvPr>
@@ -2645,7 +2645,7 @@
           <p:cNvPr id="5" name="日期占位符 4">
             <a:extLst>
               <a:ext uri="{FF2B5EF4-FFF2-40B4-BE49-F238E27FC236}">
-                <a16:creationId xmlns:a16="http://schemas.microsoft.com/office/drawing/2014/main" id="{FD3A78AB-B684-C076-DDF3-9D28694344F1}"/>
+                <a16:creationId xmlns:a16="http://schemas.microsoft.com/office/drawing/2014/main" id="{0CF15DE1-8716-90D8-ADAD-92C9BD9517C3}"/>
               </a:ext>
             </a:extLst>
           </p:cNvPr>
@@ -2661,7 +2661,7 @@
           <a:bodyPr/>
           <a:lstStyle/>
           <a:p>
-            <a:fld id="{64A850C1-B4FF-4AB8-9D12-A3CBCF7E4CED}" type="datetimeFigureOut">
+            <a:fld id="{36D2B732-E5E8-4AE1-B902-A7E125C47626}" type="datetimeFigureOut">
               <a:rPr lang="zh-CN" altLang="en-US" smtClean="0"/>
               <a:t>2024/3/10</a:t>
             </a:fld>
@@ -2674,7 +2674,7 @@
           <p:cNvPr id="6" name="页脚占位符 5">
             <a:extLst>
               <a:ext uri="{FF2B5EF4-FFF2-40B4-BE49-F238E27FC236}">
-                <a16:creationId xmlns:a16="http://schemas.microsoft.com/office/drawing/2014/main" id="{BF8EFA94-60C9-EF43-2B93-F71FA5DCF1F9}"/>
+                <a16:creationId xmlns:a16="http://schemas.microsoft.com/office/drawing/2014/main" id="{EC7CFBB5-B2E5-3C82-F555-42A5461B16BB}"/>
               </a:ext>
             </a:extLst>
           </p:cNvPr>
@@ -2699,7 +2699,7 @@
           <p:cNvPr id="7" name="灯片编号占位符 6">
             <a:extLst>
               <a:ext uri="{FF2B5EF4-FFF2-40B4-BE49-F238E27FC236}">
-                <a16:creationId xmlns:a16="http://schemas.microsoft.com/office/drawing/2014/main" id="{51844BD2-92CD-E87E-7515-F3C738D4C1EF}"/>
+                <a16:creationId xmlns:a16="http://schemas.microsoft.com/office/drawing/2014/main" id="{CB12B36A-1F8A-4FA3-5EF0-89B0B5829CED}"/>
               </a:ext>
             </a:extLst>
           </p:cNvPr>
@@ -2715,7 +2715,7 @@
           <a:bodyPr/>
           <a:lstStyle/>
           <a:p>
-            <a:fld id="{F2312C3D-7921-4C5D-B5B5-507FD0AE636A}" type="slidenum">
+            <a:fld id="{0DDE1329-DE37-4210-956C-2BCBBF8F32E2}" type="slidenum">
               <a:rPr lang="zh-CN" altLang="en-US" smtClean="0"/>
               <a:t>‹#›</a:t>
             </a:fld>
@@ -2726,7 +2726,7 @@
     </p:spTree>
     <p:extLst>
       <p:ext uri="{BB962C8B-B14F-4D97-AF65-F5344CB8AC3E}">
-        <p14:creationId xmlns:p14="http://schemas.microsoft.com/office/powerpoint/2010/main" val="650894266"/>
+        <p14:creationId xmlns:p14="http://schemas.microsoft.com/office/powerpoint/2010/main" val="580399187"/>
       </p:ext>
     </p:extLst>
   </p:cSld>
@@ -2763,7 +2763,7 @@
           <p:cNvPr id="2" name="标题占位符 1">
             <a:extLst>
               <a:ext uri="{FF2B5EF4-FFF2-40B4-BE49-F238E27FC236}">
-                <a16:creationId xmlns:a16="http://schemas.microsoft.com/office/drawing/2014/main" id="{B11300AA-DA2D-7EAB-D60D-876BB7157EBB}"/>
+                <a16:creationId xmlns:a16="http://schemas.microsoft.com/office/drawing/2014/main" id="{261BEEFC-2C3B-E34E-727A-975B30F9BEEE}"/>
               </a:ext>
             </a:extLst>
           </p:cNvPr>
@@ -2801,7 +2801,7 @@
           <p:cNvPr id="3" name="文本占位符 2">
             <a:extLst>
               <a:ext uri="{FF2B5EF4-FFF2-40B4-BE49-F238E27FC236}">
-                <a16:creationId xmlns:a16="http://schemas.microsoft.com/office/drawing/2014/main" id="{6E99B969-1727-D714-CF72-8B93D2899558}"/>
+                <a16:creationId xmlns:a16="http://schemas.microsoft.com/office/drawing/2014/main" id="{95262C68-7482-A562-B1A0-244945326E70}"/>
               </a:ext>
             </a:extLst>
           </p:cNvPr>
@@ -2868,7 +2868,7 @@
           <p:cNvPr id="4" name="日期占位符 3">
             <a:extLst>
               <a:ext uri="{FF2B5EF4-FFF2-40B4-BE49-F238E27FC236}">
-                <a16:creationId xmlns:a16="http://schemas.microsoft.com/office/drawing/2014/main" id="{54D886EF-8579-54D0-9E4F-55F251634B6A}"/>
+                <a16:creationId xmlns:a16="http://schemas.microsoft.com/office/drawing/2014/main" id="{498010EF-1A48-9718-09C6-CB28CC285FB7}"/>
               </a:ext>
             </a:extLst>
           </p:cNvPr>
@@ -2902,7 +2902,7 @@
             </a:lvl1pPr>
           </a:lstStyle>
           <a:p>
-            <a:fld id="{64A850C1-B4FF-4AB8-9D12-A3CBCF7E4CED}" type="datetimeFigureOut">
+            <a:fld id="{36D2B732-E5E8-4AE1-B902-A7E125C47626}" type="datetimeFigureOut">
               <a:rPr lang="zh-CN" altLang="en-US" smtClean="0"/>
               <a:t>2024/3/10</a:t>
             </a:fld>
@@ -2915,7 +2915,7 @@
           <p:cNvPr id="5" name="页脚占位符 4">
             <a:extLst>
               <a:ext uri="{FF2B5EF4-FFF2-40B4-BE49-F238E27FC236}">
-                <a16:creationId xmlns:a16="http://schemas.microsoft.com/office/drawing/2014/main" id="{E3EED12E-A72E-EA76-FFB0-372693885D42}"/>
+                <a16:creationId xmlns:a16="http://schemas.microsoft.com/office/drawing/2014/main" id="{FF4A0410-F680-534E-4EF5-21AA8FC52E17}"/>
               </a:ext>
             </a:extLst>
           </p:cNvPr>
@@ -2958,7 +2958,7 @@
           <p:cNvPr id="6" name="灯片编号占位符 5">
             <a:extLst>
               <a:ext uri="{FF2B5EF4-FFF2-40B4-BE49-F238E27FC236}">
-                <a16:creationId xmlns:a16="http://schemas.microsoft.com/office/drawing/2014/main" id="{689BFFD7-3209-AE63-529C-2CDAF60D3553}"/>
+                <a16:creationId xmlns:a16="http://schemas.microsoft.com/office/drawing/2014/main" id="{78809A30-60C7-7666-63B9-9E67BE8D1159}"/>
               </a:ext>
             </a:extLst>
           </p:cNvPr>
@@ -2992,7 +2992,7 @@
             </a:lvl1pPr>
           </a:lstStyle>
           <a:p>
-            <a:fld id="{F2312C3D-7921-4C5D-B5B5-507FD0AE636A}" type="slidenum">
+            <a:fld id="{0DDE1329-DE37-4210-956C-2BCBBF8F32E2}" type="slidenum">
               <a:rPr lang="zh-CN" altLang="en-US" smtClean="0"/>
               <a:t>‹#›</a:t>
             </a:fld>
@@ -3003,7 +3003,7 @@
     </p:spTree>
     <p:extLst>
       <p:ext uri="{BB962C8B-B14F-4D97-AF65-F5344CB8AC3E}">
-        <p14:creationId xmlns:p14="http://schemas.microsoft.com/office/powerpoint/2010/main" val="2535780295"/>
+        <p14:creationId xmlns:p14="http://schemas.microsoft.com/office/powerpoint/2010/main" val="2305249869"/>
       </p:ext>
     </p:extLst>
   </p:cSld>
@@ -3323,7 +3323,7 @@
       </p:grpSpPr>
       <p:pic>
         <p:nvPicPr>
-          <p:cNvPr id="462850" name="Picture 2" descr="451"/>
+          <p:cNvPr id="463874" name="Picture 2" descr="452"/>
           <p:cNvPicPr>
             <a:picLocks noChangeAspect="1" noChangeArrowheads="1"/>
           </p:cNvPicPr>
@@ -3345,7 +3345,7 @@
         <p:spPr bwMode="auto">
           <a:xfrm>
             <a:off x="1524000" y="0"/>
-            <a:ext cx="9144000" cy="6165850"/>
+            <a:ext cx="9144000" cy="6859588"/>
           </a:xfrm>
           <a:prstGeom prst="rect">
             <a:avLst/>
